--- a/DECUONG/WEBSITE GIÚP NGƯỜI DÙNG TRA CỨU CÁC DI.pptx
+++ b/DECUONG/WEBSITE GIÚP NGƯỜI DÙNG TRA CỨU CÁC DI.pptx
@@ -853,7 +853,7 @@
           <a:p>
             <a:fld id="{6491DD69-4099-4092-B76C-2E6D4775A775}" type="datetimeFigureOut">
               <a:rPr lang="en-GB" smtClean="0"/>
-              <a:t>03/01/2026</a:t>
+              <a:t>04/01/2026</a:t>
             </a:fld>
             <a:endParaRPr lang="en-GB"/>
           </a:p>
@@ -1104,7 +1104,7 @@
           <a:p>
             <a:fld id="{6491DD69-4099-4092-B76C-2E6D4775A775}" type="datetimeFigureOut">
               <a:rPr lang="en-GB" smtClean="0"/>
-              <a:t>03/01/2026</a:t>
+              <a:t>04/01/2026</a:t>
             </a:fld>
             <a:endParaRPr lang="en-GB"/>
           </a:p>
@@ -1418,7 +1418,7 @@
           <a:p>
             <a:fld id="{6491DD69-4099-4092-B76C-2E6D4775A775}" type="datetimeFigureOut">
               <a:rPr lang="en-GB" smtClean="0"/>
-              <a:t>03/01/2026</a:t>
+              <a:t>04/01/2026</a:t>
             </a:fld>
             <a:endParaRPr lang="en-GB"/>
           </a:p>
@@ -1759,7 +1759,7 @@
           <a:p>
             <a:fld id="{6491DD69-4099-4092-B76C-2E6D4775A775}" type="datetimeFigureOut">
               <a:rPr lang="en-GB" smtClean="0"/>
-              <a:t>03/01/2026</a:t>
+              <a:t>04/01/2026</a:t>
             </a:fld>
             <a:endParaRPr lang="en-GB"/>
           </a:p>
@@ -2073,7 +2073,7 @@
           <a:p>
             <a:fld id="{6491DD69-4099-4092-B76C-2E6D4775A775}" type="datetimeFigureOut">
               <a:rPr lang="en-GB" smtClean="0"/>
-              <a:t>03/01/2026</a:t>
+              <a:t>04/01/2026</a:t>
             </a:fld>
             <a:endParaRPr lang="en-GB"/>
           </a:p>
@@ -2466,7 +2466,7 @@
           <a:p>
             <a:fld id="{6491DD69-4099-4092-B76C-2E6D4775A775}" type="datetimeFigureOut">
               <a:rPr lang="en-GB" smtClean="0"/>
-              <a:t>03/01/2026</a:t>
+              <a:t>04/01/2026</a:t>
             </a:fld>
             <a:endParaRPr lang="en-GB"/>
           </a:p>
@@ -2636,7 +2636,7 @@
           <a:p>
             <a:fld id="{6491DD69-4099-4092-B76C-2E6D4775A775}" type="datetimeFigureOut">
               <a:rPr lang="en-GB" smtClean="0"/>
-              <a:t>03/01/2026</a:t>
+              <a:t>04/01/2026</a:t>
             </a:fld>
             <a:endParaRPr lang="en-GB"/>
           </a:p>
@@ -2816,7 +2816,7 @@
           <a:p>
             <a:fld id="{6491DD69-4099-4092-B76C-2E6D4775A775}" type="datetimeFigureOut">
               <a:rPr lang="en-GB" smtClean="0"/>
-              <a:t>03/01/2026</a:t>
+              <a:t>04/01/2026</a:t>
             </a:fld>
             <a:endParaRPr lang="en-GB"/>
           </a:p>
@@ -2992,7 +2992,7 @@
           <a:p>
             <a:fld id="{6491DD69-4099-4092-B76C-2E6D4775A775}" type="datetimeFigureOut">
               <a:rPr lang="en-GB" smtClean="0"/>
-              <a:t>03/01/2026</a:t>
+              <a:t>04/01/2026</a:t>
             </a:fld>
             <a:endParaRPr lang="en-GB"/>
           </a:p>
@@ -3239,7 +3239,7 @@
           <a:p>
             <a:fld id="{6491DD69-4099-4092-B76C-2E6D4775A775}" type="datetimeFigureOut">
               <a:rPr lang="en-GB" smtClean="0"/>
-              <a:t>03/01/2026</a:t>
+              <a:t>04/01/2026</a:t>
             </a:fld>
             <a:endParaRPr lang="en-GB"/>
           </a:p>
@@ -3471,7 +3471,7 @@
           <a:p>
             <a:fld id="{6491DD69-4099-4092-B76C-2E6D4775A775}" type="datetimeFigureOut">
               <a:rPr lang="en-GB" smtClean="0"/>
-              <a:t>03/01/2026</a:t>
+              <a:t>04/01/2026</a:t>
             </a:fld>
             <a:endParaRPr lang="en-GB"/>
           </a:p>
@@ -3845,7 +3845,7 @@
           <a:p>
             <a:fld id="{6491DD69-4099-4092-B76C-2E6D4775A775}" type="datetimeFigureOut">
               <a:rPr lang="en-GB" smtClean="0"/>
-              <a:t>03/01/2026</a:t>
+              <a:t>04/01/2026</a:t>
             </a:fld>
             <a:endParaRPr lang="en-GB"/>
           </a:p>
@@ -3968,7 +3968,7 @@
           <a:p>
             <a:fld id="{6491DD69-4099-4092-B76C-2E6D4775A775}" type="datetimeFigureOut">
               <a:rPr lang="en-GB" smtClean="0"/>
-              <a:t>03/01/2026</a:t>
+              <a:t>04/01/2026</a:t>
             </a:fld>
             <a:endParaRPr lang="en-GB"/>
           </a:p>
@@ -4063,7 +4063,7 @@
           <a:p>
             <a:fld id="{6491DD69-4099-4092-B76C-2E6D4775A775}" type="datetimeFigureOut">
               <a:rPr lang="en-GB" smtClean="0"/>
-              <a:t>03/01/2026</a:t>
+              <a:t>04/01/2026</a:t>
             </a:fld>
             <a:endParaRPr lang="en-GB"/>
           </a:p>
@@ -4318,7 +4318,7 @@
           <a:p>
             <a:fld id="{6491DD69-4099-4092-B76C-2E6D4775A775}" type="datetimeFigureOut">
               <a:rPr lang="en-GB" smtClean="0"/>
-              <a:t>03/01/2026</a:t>
+              <a:t>04/01/2026</a:t>
             </a:fld>
             <a:endParaRPr lang="en-GB"/>
           </a:p>
@@ -4581,7 +4581,7 @@
           <a:p>
             <a:fld id="{6491DD69-4099-4092-B76C-2E6D4775A775}" type="datetimeFigureOut">
               <a:rPr lang="en-GB" smtClean="0"/>
-              <a:t>03/01/2026</a:t>
+              <a:t>04/01/2026</a:t>
             </a:fld>
             <a:endParaRPr lang="en-GB"/>
           </a:p>
@@ -5324,7 +5324,7 @@
           <a:p>
             <a:fld id="{6491DD69-4099-4092-B76C-2E6D4775A775}" type="datetimeFigureOut">
               <a:rPr lang="en-GB" smtClean="0"/>
-              <a:t>03/01/2026</a:t>
+              <a:t>04/01/2026</a:t>
             </a:fld>
             <a:endParaRPr lang="en-GB"/>
           </a:p>
@@ -5866,7 +5866,7 @@
         </p:nvSpPr>
         <p:spPr>
           <a:xfrm>
-            <a:off x="764614" y="2041250"/>
+            <a:off x="850339" y="2185880"/>
             <a:ext cx="9951571" cy="2253686"/>
           </a:xfrm>
         </p:spPr>
@@ -5876,23 +5876,21 @@
           <a:p>
             <a:pPr algn="ctr"/>
             <a:r>
-              <a:rPr lang="en-US" sz="4000" b="1">
-                <a:solidFill>
-                  <a:schemeClr val="tx1"/>
-                </a:solidFill>
-                <a:latin typeface="Calibri" panose="020F0502020204030204" pitchFamily="34" charset="0"/>
-                <a:ea typeface="Calibri" panose="020F0502020204030204" pitchFamily="34" charset="0"/>
-                <a:cs typeface="Calibri" panose="020F0502020204030204" pitchFamily="34" charset="0"/>
-              </a:rPr>
-              <a:t>WEBSITE GIÚP NGƯỜI DÙNG TRA CỨU CÁC DI TÍCH LỊCH SỬ TRÊN ĐỊA BÀN TỈNH VĨNH LONG</a:t>
-            </a:r>
-            <a:endParaRPr lang="en-GB" sz="4000">
+              <a:rPr lang="vi-VN" sz="4000" b="1">
+                <a:solidFill>
+                  <a:schemeClr val="tx1"/>
+                </a:solidFill>
+                <a:latin typeface="+mn-lt"/>
+              </a:rPr>
+              <a:t>Xây dựng Website giới thiệu các di tích lịch sử trên địa bàn Tỉnh Vĩnh Long</a:t>
+            </a:r>
+            <a:endParaRPr lang="en-GB" sz="4000" b="1">
               <a:solidFill>
                 <a:schemeClr val="tx1"/>
               </a:solidFill>
-              <a:latin typeface="Calibri" panose="020F0502020204030204" pitchFamily="34" charset="0"/>
+              <a:latin typeface="+mn-lt"/>
               <a:ea typeface="Calibri" panose="020F0502020204030204" pitchFamily="34" charset="0"/>
-              <a:cs typeface="Calibri" panose="020F0502020204030204" pitchFamily="34" charset="0"/>
+              <a:cs typeface="Arial" panose="020B0604020202020204" pitchFamily="34" charset="0"/>
             </a:endParaRPr>
           </a:p>
         </p:txBody>
@@ -5915,7 +5913,7 @@
         </p:nvSpPr>
         <p:spPr>
           <a:xfrm>
-            <a:off x="7229348" y="4350374"/>
+            <a:off x="7324598" y="4772356"/>
             <a:ext cx="4492752" cy="1096899"/>
           </a:xfrm>
         </p:spPr>
@@ -6129,7 +6127,7 @@
         </p:nvSpPr>
         <p:spPr>
           <a:xfrm>
-            <a:off x="1409700" y="4422990"/>
+            <a:off x="1219200" y="4898823"/>
             <a:ext cx="3340100" cy="646331"/>
           </a:xfrm>
           <a:prstGeom prst="rect">
